--- a/卒作チーム制作.pptx
+++ b/卒作チーム制作.pptx
@@ -167,7 +167,7 @@
           <a:noFill/>
           <a:extLst>
             <a:ext uri="{909E8E84-426E-40dd-AFC4-6F175D3DCCD1}">
-              <a14:hiddenFill xmlns="" xmlns:a14="http://schemas.microsoft.com/office/drawing/2010/main">
+              <a14:hiddenFill xmlns:a14="http://schemas.microsoft.com/office/drawing/2010/main" xmlns="">
                 <a:solidFill>
                   <a:srgbClr val="FFFFFF"/>
                 </a:solidFill>
@@ -227,7 +227,7 @@
             </a:ln>
             <a:extLst>
               <a:ext uri="{91240B29-F687-4f45-9708-019B960494DF}">
-                <a14:hiddenLine xmlns="" xmlns:a14="http://schemas.microsoft.com/office/drawing/2010/main" w="9525">
+                <a14:hiddenLine xmlns:a14="http://schemas.microsoft.com/office/drawing/2010/main" xmlns="" w="9525">
                   <a:solidFill>
                     <a:srgbClr val="000000"/>
                   </a:solidFill>
@@ -317,7 +317,7 @@
             </a:ln>
             <a:extLst>
               <a:ext uri="{91240B29-F687-4f45-9708-019B960494DF}">
-                <a14:hiddenLine xmlns="" xmlns:a14="http://schemas.microsoft.com/office/drawing/2010/main" w="9525">
+                <a14:hiddenLine xmlns:a14="http://schemas.microsoft.com/office/drawing/2010/main" xmlns="" w="9525">
                   <a:solidFill>
                     <a:srgbClr val="000000"/>
                   </a:solidFill>
@@ -407,7 +407,7 @@
             </a:ln>
             <a:extLst>
               <a:ext uri="{91240B29-F687-4f45-9708-019B960494DF}">
-                <a14:hiddenLine xmlns="" xmlns:a14="http://schemas.microsoft.com/office/drawing/2010/main" w="9525">
+                <a14:hiddenLine xmlns:a14="http://schemas.microsoft.com/office/drawing/2010/main" xmlns="" w="9525">
                   <a:solidFill>
                     <a:srgbClr val="000000"/>
                   </a:solidFill>
@@ -441,7 +441,7 @@
             </a:ln>
             <a:extLst>
               <a:ext uri="{91240B29-F687-4f45-9708-019B960494DF}">
-                <a14:hiddenLine xmlns="" xmlns:a14="http://schemas.microsoft.com/office/drawing/2010/main" w="9525">
+                <a14:hiddenLine xmlns:a14="http://schemas.microsoft.com/office/drawing/2010/main" xmlns="" w="9525">
                   <a:solidFill>
                     <a:srgbClr val="000000"/>
                   </a:solidFill>
@@ -531,7 +531,7 @@
             </a:ln>
             <a:extLst>
               <a:ext uri="{91240B29-F687-4f45-9708-019B960494DF}">
-                <a14:hiddenLine xmlns="" xmlns:a14="http://schemas.microsoft.com/office/drawing/2010/main" w="9525">
+                <a14:hiddenLine xmlns:a14="http://schemas.microsoft.com/office/drawing/2010/main" xmlns="" w="9525">
                   <a:solidFill>
                     <a:srgbClr val="000000"/>
                   </a:solidFill>
@@ -593,7 +593,7 @@
             </a:ln>
             <a:extLst>
               <a:ext uri="{91240B29-F687-4f45-9708-019B960494DF}">
-                <a14:hiddenLine xmlns="" xmlns:a14="http://schemas.microsoft.com/office/drawing/2010/main" w="9525">
+                <a14:hiddenLine xmlns:a14="http://schemas.microsoft.com/office/drawing/2010/main" xmlns="" w="9525">
                   <a:solidFill>
                     <a:srgbClr val="000000"/>
                   </a:solidFill>
@@ -655,7 +655,7 @@
             </a:ln>
             <a:extLst>
               <a:ext uri="{91240B29-F687-4f45-9708-019B960494DF}">
-                <a14:hiddenLine xmlns="" xmlns:a14="http://schemas.microsoft.com/office/drawing/2010/main" w="9525">
+                <a14:hiddenLine xmlns:a14="http://schemas.microsoft.com/office/drawing/2010/main" xmlns="" w="9525">
                   <a:solidFill>
                     <a:srgbClr val="000000"/>
                   </a:solidFill>
@@ -745,7 +745,7 @@
             </a:ln>
             <a:extLst>
               <a:ext uri="{91240B29-F687-4f45-9708-019B960494DF}">
-                <a14:hiddenLine xmlns="" xmlns:a14="http://schemas.microsoft.com/office/drawing/2010/main" w="9525">
+                <a14:hiddenLine xmlns:a14="http://schemas.microsoft.com/office/drawing/2010/main" xmlns="" w="9525">
                   <a:solidFill>
                     <a:srgbClr val="000000"/>
                   </a:solidFill>
@@ -807,7 +807,7 @@
             </a:ln>
             <a:extLst>
               <a:ext uri="{91240B29-F687-4f45-9708-019B960494DF}">
-                <a14:hiddenLine xmlns="" xmlns:a14="http://schemas.microsoft.com/office/drawing/2010/main" w="9525">
+                <a14:hiddenLine xmlns:a14="http://schemas.microsoft.com/office/drawing/2010/main" xmlns="" w="9525">
                   <a:solidFill>
                     <a:srgbClr val="000000"/>
                   </a:solidFill>
@@ -869,7 +869,7 @@
             </a:ln>
             <a:extLst>
               <a:ext uri="{91240B29-F687-4f45-9708-019B960494DF}">
-                <a14:hiddenLine xmlns="" xmlns:a14="http://schemas.microsoft.com/office/drawing/2010/main" w="9525">
+                <a14:hiddenLine xmlns:a14="http://schemas.microsoft.com/office/drawing/2010/main" xmlns="" w="9525">
                   <a:solidFill>
                     <a:srgbClr val="000000"/>
                   </a:solidFill>
@@ -959,7 +959,7 @@
             </a:ln>
             <a:extLst>
               <a:ext uri="{91240B29-F687-4f45-9708-019B960494DF}">
-                <a14:hiddenLine xmlns="" xmlns:a14="http://schemas.microsoft.com/office/drawing/2010/main" w="9525">
+                <a14:hiddenLine xmlns:a14="http://schemas.microsoft.com/office/drawing/2010/main" xmlns="" w="9525">
                   <a:solidFill>
                     <a:srgbClr val="000000"/>
                   </a:solidFill>
@@ -1049,7 +1049,7 @@
             </a:ln>
             <a:extLst>
               <a:ext uri="{91240B29-F687-4f45-9708-019B960494DF}">
-                <a14:hiddenLine xmlns="" xmlns:a14="http://schemas.microsoft.com/office/drawing/2010/main" w="9525">
+                <a14:hiddenLine xmlns:a14="http://schemas.microsoft.com/office/drawing/2010/main" xmlns="" w="9525">
                   <a:solidFill>
                     <a:srgbClr val="000000"/>
                   </a:solidFill>
@@ -1111,7 +1111,7 @@
             </a:ln>
             <a:extLst>
               <a:ext uri="{91240B29-F687-4f45-9708-019B960494DF}">
-                <a14:hiddenLine xmlns="" xmlns:a14="http://schemas.microsoft.com/office/drawing/2010/main" w="9525">
+                <a14:hiddenLine xmlns:a14="http://schemas.microsoft.com/office/drawing/2010/main" xmlns="" w="9525">
                   <a:solidFill>
                     <a:srgbClr val="000000"/>
                   </a:solidFill>
@@ -1221,7 +1221,7 @@
             </a:ln>
             <a:extLst>
               <a:ext uri="{91240B29-F687-4f45-9708-019B960494DF}">
-                <a14:hiddenLine xmlns="" xmlns:a14="http://schemas.microsoft.com/office/drawing/2010/main" w="9525">
+                <a14:hiddenLine xmlns:a14="http://schemas.microsoft.com/office/drawing/2010/main" xmlns="" w="9525">
                   <a:solidFill>
                     <a:srgbClr val="000000"/>
                   </a:solidFill>
@@ -1283,7 +1283,7 @@
             </a:ln>
             <a:extLst>
               <a:ext uri="{91240B29-F687-4f45-9708-019B960494DF}">
-                <a14:hiddenLine xmlns="" xmlns:a14="http://schemas.microsoft.com/office/drawing/2010/main" w="9525">
+                <a14:hiddenLine xmlns:a14="http://schemas.microsoft.com/office/drawing/2010/main" xmlns="" w="9525">
                   <a:solidFill>
                     <a:srgbClr val="000000"/>
                   </a:solidFill>
@@ -1373,7 +1373,7 @@
             </a:ln>
             <a:extLst>
               <a:ext uri="{91240B29-F687-4f45-9708-019B960494DF}">
-                <a14:hiddenLine xmlns="" xmlns:a14="http://schemas.microsoft.com/office/drawing/2010/main" w="9525">
+                <a14:hiddenLine xmlns:a14="http://schemas.microsoft.com/office/drawing/2010/main" xmlns="" w="9525">
                   <a:solidFill>
                     <a:srgbClr val="000000"/>
                   </a:solidFill>
@@ -1463,7 +1463,7 @@
             </a:ln>
             <a:extLst>
               <a:ext uri="{91240B29-F687-4f45-9708-019B960494DF}">
-                <a14:hiddenLine xmlns="" xmlns:a14="http://schemas.microsoft.com/office/drawing/2010/main" w="9525">
+                <a14:hiddenLine xmlns:a14="http://schemas.microsoft.com/office/drawing/2010/main" xmlns="" w="9525">
                   <a:solidFill>
                     <a:srgbClr val="000000"/>
                   </a:solidFill>
@@ -1525,7 +1525,7 @@
             </a:ln>
             <a:extLst>
               <a:ext uri="{91240B29-F687-4f45-9708-019B960494DF}">
-                <a14:hiddenLine xmlns="" xmlns:a14="http://schemas.microsoft.com/office/drawing/2010/main" w="9525">
+                <a14:hiddenLine xmlns:a14="http://schemas.microsoft.com/office/drawing/2010/main" xmlns="" w="9525">
                   <a:solidFill>
                     <a:srgbClr val="000000"/>
                   </a:solidFill>
@@ -1615,7 +1615,7 @@
             </a:ln>
             <a:extLst>
               <a:ext uri="{91240B29-F687-4f45-9708-019B960494DF}">
-                <a14:hiddenLine xmlns="" xmlns:a14="http://schemas.microsoft.com/office/drawing/2010/main" w="9525">
+                <a14:hiddenLine xmlns:a14="http://schemas.microsoft.com/office/drawing/2010/main" xmlns="" w="9525">
                   <a:solidFill>
                     <a:srgbClr val="000000"/>
                   </a:solidFill>
@@ -1705,7 +1705,7 @@
             </a:ln>
             <a:extLst>
               <a:ext uri="{91240B29-F687-4f45-9708-019B960494DF}">
-                <a14:hiddenLine xmlns="" xmlns:a14="http://schemas.microsoft.com/office/drawing/2010/main" w="9525">
+                <a14:hiddenLine xmlns:a14="http://schemas.microsoft.com/office/drawing/2010/main" xmlns="" w="9525">
                   <a:solidFill>
                     <a:srgbClr val="000000"/>
                   </a:solidFill>
@@ -1761,7 +1761,7 @@
             </a:ln>
             <a:extLst>
               <a:ext uri="{91240B29-F687-4f45-9708-019B960494DF}">
-                <a14:hiddenLine xmlns="" xmlns:a14="http://schemas.microsoft.com/office/drawing/2010/main" w="9525">
+                <a14:hiddenLine xmlns:a14="http://schemas.microsoft.com/office/drawing/2010/main" xmlns="" w="9525">
                   <a:solidFill>
                     <a:srgbClr val="000000"/>
                   </a:solidFill>
@@ -1851,7 +1851,7 @@
             </a:ln>
             <a:extLst>
               <a:ext uri="{91240B29-F687-4f45-9708-019B960494DF}">
-                <a14:hiddenLine xmlns="" xmlns:a14="http://schemas.microsoft.com/office/drawing/2010/main" w="9525">
+                <a14:hiddenLine xmlns:a14="http://schemas.microsoft.com/office/drawing/2010/main" xmlns="" w="9525">
                   <a:solidFill>
                     <a:srgbClr val="000000"/>
                   </a:solidFill>
@@ -1907,7 +1907,7 @@
             </a:ln>
             <a:extLst>
               <a:ext uri="{91240B29-F687-4f45-9708-019B960494DF}">
-                <a14:hiddenLine xmlns="" xmlns:a14="http://schemas.microsoft.com/office/drawing/2010/main" w="9525">
+                <a14:hiddenLine xmlns:a14="http://schemas.microsoft.com/office/drawing/2010/main" xmlns="" w="9525">
                   <a:solidFill>
                     <a:srgbClr val="000000"/>
                   </a:solidFill>
@@ -1997,7 +1997,7 @@
             </a:ln>
             <a:extLst>
               <a:ext uri="{91240B29-F687-4f45-9708-019B960494DF}">
-                <a14:hiddenLine xmlns="" xmlns:a14="http://schemas.microsoft.com/office/drawing/2010/main" w="9525">
+                <a14:hiddenLine xmlns:a14="http://schemas.microsoft.com/office/drawing/2010/main" xmlns="" w="9525">
                   <a:solidFill>
                     <a:srgbClr val="000000"/>
                   </a:solidFill>
@@ -2065,7 +2065,7 @@
             </a:ln>
             <a:extLst>
               <a:ext uri="{91240B29-F687-4f45-9708-019B960494DF}">
-                <a14:hiddenLine xmlns="" xmlns:a14="http://schemas.microsoft.com/office/drawing/2010/main" w="9525">
+                <a14:hiddenLine xmlns:a14="http://schemas.microsoft.com/office/drawing/2010/main" xmlns="" w="9525">
                   <a:solidFill>
                     <a:srgbClr val="000000"/>
                   </a:solidFill>
@@ -2155,7 +2155,7 @@
             </a:ln>
             <a:extLst>
               <a:ext uri="{91240B29-F687-4f45-9708-019B960494DF}">
-                <a14:hiddenLine xmlns="" xmlns:a14="http://schemas.microsoft.com/office/drawing/2010/main" w="9525">
+                <a14:hiddenLine xmlns:a14="http://schemas.microsoft.com/office/drawing/2010/main" xmlns="" w="9525">
                   <a:solidFill>
                     <a:srgbClr val="000000"/>
                   </a:solidFill>
@@ -2223,7 +2223,7 @@
             </a:ln>
             <a:extLst>
               <a:ext uri="{91240B29-F687-4f45-9708-019B960494DF}">
-                <a14:hiddenLine xmlns="" xmlns:a14="http://schemas.microsoft.com/office/drawing/2010/main" w="9525">
+                <a14:hiddenLine xmlns:a14="http://schemas.microsoft.com/office/drawing/2010/main" xmlns="" w="9525">
                   <a:solidFill>
                     <a:srgbClr val="000000"/>
                   </a:solidFill>
@@ -2313,7 +2313,7 @@
             </a:ln>
             <a:extLst>
               <a:ext uri="{91240B29-F687-4f45-9708-019B960494DF}">
-                <a14:hiddenLine xmlns="" xmlns:a14="http://schemas.microsoft.com/office/drawing/2010/main" w="9525">
+                <a14:hiddenLine xmlns:a14="http://schemas.microsoft.com/office/drawing/2010/main" xmlns="" w="9525">
                   <a:solidFill>
                     <a:srgbClr val="000000"/>
                   </a:solidFill>
@@ -2347,7 +2347,7 @@
             </a:ln>
             <a:extLst>
               <a:ext uri="{91240B29-F687-4f45-9708-019B960494DF}">
-                <a14:hiddenLine xmlns="" xmlns:a14="http://schemas.microsoft.com/office/drawing/2010/main" w="9525">
+                <a14:hiddenLine xmlns:a14="http://schemas.microsoft.com/office/drawing/2010/main" xmlns="" w="9525">
                   <a:solidFill>
                     <a:srgbClr val="000000"/>
                   </a:solidFill>
@@ -2437,7 +2437,7 @@
             </a:ln>
             <a:extLst>
               <a:ext uri="{91240B29-F687-4f45-9708-019B960494DF}">
-                <a14:hiddenLine xmlns="" xmlns:a14="http://schemas.microsoft.com/office/drawing/2010/main" w="9525">
+                <a14:hiddenLine xmlns:a14="http://schemas.microsoft.com/office/drawing/2010/main" xmlns="" w="9525">
                   <a:solidFill>
                     <a:srgbClr val="000000"/>
                   </a:solidFill>
@@ -2499,7 +2499,7 @@
             </a:ln>
             <a:extLst>
               <a:ext uri="{91240B29-F687-4f45-9708-019B960494DF}">
-                <a14:hiddenLine xmlns="" xmlns:a14="http://schemas.microsoft.com/office/drawing/2010/main" w="9525">
+                <a14:hiddenLine xmlns:a14="http://schemas.microsoft.com/office/drawing/2010/main" xmlns="" w="9525">
                   <a:solidFill>
                     <a:srgbClr val="000000"/>
                   </a:solidFill>
@@ -2561,7 +2561,7 @@
             </a:ln>
             <a:extLst>
               <a:ext uri="{91240B29-F687-4f45-9708-019B960494DF}">
-                <a14:hiddenLine xmlns="" xmlns:a14="http://schemas.microsoft.com/office/drawing/2010/main" w="9525">
+                <a14:hiddenLine xmlns:a14="http://schemas.microsoft.com/office/drawing/2010/main" xmlns="" w="9525">
                   <a:solidFill>
                     <a:srgbClr val="000000"/>
                   </a:solidFill>
@@ -2651,7 +2651,7 @@
             </a:ln>
             <a:extLst>
               <a:ext uri="{91240B29-F687-4f45-9708-019B960494DF}">
-                <a14:hiddenLine xmlns="" xmlns:a14="http://schemas.microsoft.com/office/drawing/2010/main" w="9525">
+                <a14:hiddenLine xmlns:a14="http://schemas.microsoft.com/office/drawing/2010/main" xmlns="" w="9525">
                   <a:solidFill>
                     <a:srgbClr val="000000"/>
                   </a:solidFill>
@@ -2719,7 +2719,7 @@
             </a:ln>
             <a:extLst>
               <a:ext uri="{91240B29-F687-4f45-9708-019B960494DF}">
-                <a14:hiddenLine xmlns="" xmlns:a14="http://schemas.microsoft.com/office/drawing/2010/main" w="9525">
+                <a14:hiddenLine xmlns:a14="http://schemas.microsoft.com/office/drawing/2010/main" xmlns="" w="9525">
                   <a:solidFill>
                     <a:srgbClr val="000000"/>
                   </a:solidFill>
@@ -2781,7 +2781,7 @@
             </a:ln>
             <a:extLst>
               <a:ext uri="{91240B29-F687-4f45-9708-019B960494DF}">
-                <a14:hiddenLine xmlns="" xmlns:a14="http://schemas.microsoft.com/office/drawing/2010/main" w="9525">
+                <a14:hiddenLine xmlns:a14="http://schemas.microsoft.com/office/drawing/2010/main" xmlns="" w="9525">
                   <a:solidFill>
                     <a:srgbClr val="000000"/>
                   </a:solidFill>
@@ -2871,7 +2871,7 @@
             </a:ln>
             <a:extLst>
               <a:ext uri="{91240B29-F687-4f45-9708-019B960494DF}">
-                <a14:hiddenLine xmlns="" xmlns:a14="http://schemas.microsoft.com/office/drawing/2010/main" w="9525">
+                <a14:hiddenLine xmlns:a14="http://schemas.microsoft.com/office/drawing/2010/main" xmlns="" w="9525">
                   <a:solidFill>
                     <a:srgbClr val="000000"/>
                   </a:solidFill>
@@ -2933,7 +2933,7 @@
             </a:ln>
             <a:extLst>
               <a:ext uri="{91240B29-F687-4f45-9708-019B960494DF}">
-                <a14:hiddenLine xmlns="" xmlns:a14="http://schemas.microsoft.com/office/drawing/2010/main" w="9525">
+                <a14:hiddenLine xmlns:a14="http://schemas.microsoft.com/office/drawing/2010/main" xmlns="" w="9525">
                   <a:solidFill>
                     <a:srgbClr val="000000"/>
                   </a:solidFill>
@@ -3023,7 +3023,7 @@
             </a:ln>
             <a:extLst>
               <a:ext uri="{91240B29-F687-4f45-9708-019B960494DF}">
-                <a14:hiddenLine xmlns="" xmlns:a14="http://schemas.microsoft.com/office/drawing/2010/main" w="9525">
+                <a14:hiddenLine xmlns:a14="http://schemas.microsoft.com/office/drawing/2010/main" xmlns="" w="9525">
                   <a:solidFill>
                     <a:srgbClr val="000000"/>
                   </a:solidFill>
@@ -3085,7 +3085,7 @@
             </a:ln>
             <a:extLst>
               <a:ext uri="{91240B29-F687-4f45-9708-019B960494DF}">
-                <a14:hiddenLine xmlns="" xmlns:a14="http://schemas.microsoft.com/office/drawing/2010/main" w="9525">
+                <a14:hiddenLine xmlns:a14="http://schemas.microsoft.com/office/drawing/2010/main" xmlns="" w="9525">
                   <a:solidFill>
                     <a:srgbClr val="000000"/>
                   </a:solidFill>
@@ -3175,7 +3175,7 @@
             </a:ln>
             <a:extLst>
               <a:ext uri="{91240B29-F687-4f45-9708-019B960494DF}">
-                <a14:hiddenLine xmlns="" xmlns:a14="http://schemas.microsoft.com/office/drawing/2010/main" w="9525">
+                <a14:hiddenLine xmlns:a14="http://schemas.microsoft.com/office/drawing/2010/main" xmlns="" w="9525">
                   <a:solidFill>
                     <a:srgbClr val="000000"/>
                   </a:solidFill>
@@ -3209,7 +3209,7 @@
             </a:ln>
             <a:extLst>
               <a:ext uri="{91240B29-F687-4f45-9708-019B960494DF}">
-                <a14:hiddenLine xmlns="" xmlns:a14="http://schemas.microsoft.com/office/drawing/2010/main" w="9525">
+                <a14:hiddenLine xmlns:a14="http://schemas.microsoft.com/office/drawing/2010/main" xmlns="" w="9525">
                   <a:solidFill>
                     <a:srgbClr val="000000"/>
                   </a:solidFill>
@@ -3274,7 +3274,7 @@
             </a:ln>
             <a:extLst>
               <a:ext uri="{91240B29-F687-4f45-9708-019B960494DF}">
-                <a14:hiddenLine xmlns="" xmlns:a14="http://schemas.microsoft.com/office/drawing/2010/main" w="9525">
+                <a14:hiddenLine xmlns:a14="http://schemas.microsoft.com/office/drawing/2010/main" xmlns="" w="9525">
                   <a:solidFill>
                     <a:srgbClr val="000000"/>
                   </a:solidFill>
@@ -3364,7 +3364,7 @@
             </a:ln>
             <a:extLst>
               <a:ext uri="{91240B29-F687-4f45-9708-019B960494DF}">
-                <a14:hiddenLine xmlns="" xmlns:a14="http://schemas.microsoft.com/office/drawing/2010/main" w="9525">
+                <a14:hiddenLine xmlns:a14="http://schemas.microsoft.com/office/drawing/2010/main" xmlns="" w="9525">
                   <a:solidFill>
                     <a:srgbClr val="000000"/>
                   </a:solidFill>
@@ -3426,7 +3426,7 @@
             </a:ln>
             <a:extLst>
               <a:ext uri="{91240B29-F687-4f45-9708-019B960494DF}">
-                <a14:hiddenLine xmlns="" xmlns:a14="http://schemas.microsoft.com/office/drawing/2010/main" w="9525">
+                <a14:hiddenLine xmlns:a14="http://schemas.microsoft.com/office/drawing/2010/main" xmlns="" w="9525">
                   <a:solidFill>
                     <a:srgbClr val="000000"/>
                   </a:solidFill>
@@ -3516,7 +3516,7 @@
             </a:ln>
             <a:extLst>
               <a:ext uri="{91240B29-F687-4f45-9708-019B960494DF}">
-                <a14:hiddenLine xmlns="" xmlns:a14="http://schemas.microsoft.com/office/drawing/2010/main" w="9525">
+                <a14:hiddenLine xmlns:a14="http://schemas.microsoft.com/office/drawing/2010/main" xmlns="" w="9525">
                   <a:solidFill>
                     <a:srgbClr val="000000"/>
                   </a:solidFill>
@@ -3606,7 +3606,7 @@
             </a:ln>
             <a:extLst>
               <a:ext uri="{91240B29-F687-4f45-9708-019B960494DF}">
-                <a14:hiddenLine xmlns="" xmlns:a14="http://schemas.microsoft.com/office/drawing/2010/main" w="9525">
+                <a14:hiddenLine xmlns:a14="http://schemas.microsoft.com/office/drawing/2010/main" xmlns="" w="9525">
                   <a:solidFill>
                     <a:srgbClr val="000000"/>
                   </a:solidFill>
@@ -3671,7 +3671,7 @@
             </a:ln>
             <a:extLst>
               <a:ext uri="{91240B29-F687-4f45-9708-019B960494DF}">
-                <a14:hiddenLine xmlns="" xmlns:a14="http://schemas.microsoft.com/office/drawing/2010/main" w="9525">
+                <a14:hiddenLine xmlns:a14="http://schemas.microsoft.com/office/drawing/2010/main" xmlns="" w="9525">
                   <a:solidFill>
                     <a:srgbClr val="000000"/>
                   </a:solidFill>
@@ -3733,7 +3733,7 @@
             </a:ln>
             <a:extLst>
               <a:ext uri="{91240B29-F687-4f45-9708-019B960494DF}">
-                <a14:hiddenLine xmlns="" xmlns:a14="http://schemas.microsoft.com/office/drawing/2010/main" w="9525">
+                <a14:hiddenLine xmlns:a14="http://schemas.microsoft.com/office/drawing/2010/main" xmlns="" w="9525">
                   <a:solidFill>
                     <a:srgbClr val="000000"/>
                   </a:solidFill>
@@ -3823,7 +3823,7 @@
             </a:ln>
             <a:extLst>
               <a:ext uri="{91240B29-F687-4f45-9708-019B960494DF}">
-                <a14:hiddenLine xmlns="" xmlns:a14="http://schemas.microsoft.com/office/drawing/2010/main" w="9525">
+                <a14:hiddenLine xmlns:a14="http://schemas.microsoft.com/office/drawing/2010/main" xmlns="" w="9525">
                   <a:solidFill>
                     <a:srgbClr val="000000"/>
                   </a:solidFill>
@@ -3913,7 +3913,7 @@
             </a:ln>
             <a:extLst>
               <a:ext uri="{91240B29-F687-4f45-9708-019B960494DF}">
-                <a14:hiddenLine xmlns="" xmlns:a14="http://schemas.microsoft.com/office/drawing/2010/main" w="9525">
+                <a14:hiddenLine xmlns:a14="http://schemas.microsoft.com/office/drawing/2010/main" xmlns="" w="9525">
                   <a:solidFill>
                     <a:srgbClr val="000000"/>
                   </a:solidFill>
@@ -3975,7 +3975,7 @@
             </a:ln>
             <a:extLst>
               <a:ext uri="{91240B29-F687-4f45-9708-019B960494DF}">
-                <a14:hiddenLine xmlns="" xmlns:a14="http://schemas.microsoft.com/office/drawing/2010/main" w="9525">
+                <a14:hiddenLine xmlns:a14="http://schemas.microsoft.com/office/drawing/2010/main" xmlns="" w="9525">
                   <a:solidFill>
                     <a:srgbClr val="000000"/>
                   </a:solidFill>
@@ -4095,7 +4095,7 @@
             </a:ln>
             <a:extLst>
               <a:ext uri="{91240B29-F687-4f45-9708-019B960494DF}">
-                <a14:hiddenLine xmlns="" xmlns:a14="http://schemas.microsoft.com/office/drawing/2010/main" w="9525">
+                <a14:hiddenLine xmlns:a14="http://schemas.microsoft.com/office/drawing/2010/main" xmlns="" w="9525">
                   <a:solidFill>
                     <a:srgbClr val="000000"/>
                   </a:solidFill>
@@ -4163,7 +4163,7 @@
             </a:ln>
             <a:extLst>
               <a:ext uri="{91240B29-F687-4f45-9708-019B960494DF}">
-                <a14:hiddenLine xmlns="" xmlns:a14="http://schemas.microsoft.com/office/drawing/2010/main" w="9525">
+                <a14:hiddenLine xmlns:a14="http://schemas.microsoft.com/office/drawing/2010/main" xmlns="" w="9525">
                   <a:solidFill>
                     <a:srgbClr val="000000"/>
                   </a:solidFill>
@@ -4253,7 +4253,7 @@
             </a:ln>
             <a:extLst>
               <a:ext uri="{91240B29-F687-4f45-9708-019B960494DF}">
-                <a14:hiddenLine xmlns="" xmlns:a14="http://schemas.microsoft.com/office/drawing/2010/main" w="9525">
+                <a14:hiddenLine xmlns:a14="http://schemas.microsoft.com/office/drawing/2010/main" xmlns="" w="9525">
                   <a:solidFill>
                     <a:srgbClr val="000000"/>
                   </a:solidFill>
@@ -4393,7 +4393,7 @@
           <a:p>
             <a:fld id="{C1BA161F-ECA7-4B76-B31E-7070F068EFEF}" type="datetimeFigureOut">
               <a:rPr kumimoji="1" lang="ja-JP" altLang="en-US" smtClean="0"/>
-              <a:t>2019/10/9</a:t>
+              <a:t>2019/12/5</a:t>
             </a:fld>
             <a:endParaRPr kumimoji="1" lang="ja-JP" altLang="en-US"/>
           </a:p>
@@ -4660,7 +4660,7 @@
           <a:p>
             <a:fld id="{C1BA161F-ECA7-4B76-B31E-7070F068EFEF}" type="datetimeFigureOut">
               <a:rPr kumimoji="1" lang="ja-JP" altLang="en-US" smtClean="0"/>
-              <a:t>2019/10/9</a:t>
+              <a:t>2019/12/5</a:t>
             </a:fld>
             <a:endParaRPr kumimoji="1" lang="ja-JP" altLang="en-US"/>
           </a:p>
@@ -4856,7 +4856,7 @@
           <a:p>
             <a:fld id="{C1BA161F-ECA7-4B76-B31E-7070F068EFEF}" type="datetimeFigureOut">
               <a:rPr kumimoji="1" lang="ja-JP" altLang="en-US" smtClean="0"/>
-              <a:t>2019/10/9</a:t>
+              <a:t>2019/12/5</a:t>
             </a:fld>
             <a:endParaRPr kumimoji="1" lang="ja-JP" altLang="en-US"/>
           </a:p>
@@ -5119,7 +5119,7 @@
           <a:p>
             <a:fld id="{C1BA161F-ECA7-4B76-B31E-7070F068EFEF}" type="datetimeFigureOut">
               <a:rPr kumimoji="1" lang="ja-JP" altLang="en-US" smtClean="0"/>
-              <a:t>2019/10/9</a:t>
+              <a:t>2019/12/5</a:t>
             </a:fld>
             <a:endParaRPr kumimoji="1" lang="ja-JP" altLang="en-US"/>
           </a:p>
@@ -5553,7 +5553,7 @@
           <a:p>
             <a:fld id="{C1BA161F-ECA7-4B76-B31E-7070F068EFEF}" type="datetimeFigureOut">
               <a:rPr kumimoji="1" lang="ja-JP" altLang="en-US" smtClean="0"/>
-              <a:t>2019/10/9</a:t>
+              <a:t>2019/12/5</a:t>
             </a:fld>
             <a:endParaRPr kumimoji="1" lang="ja-JP" altLang="en-US"/>
           </a:p>
@@ -6099,7 +6099,7 @@
           <a:p>
             <a:fld id="{C1BA161F-ECA7-4B76-B31E-7070F068EFEF}" type="datetimeFigureOut">
               <a:rPr kumimoji="1" lang="ja-JP" altLang="en-US" smtClean="0"/>
-              <a:t>2019/10/9</a:t>
+              <a:t>2019/12/5</a:t>
             </a:fld>
             <a:endParaRPr kumimoji="1" lang="ja-JP" altLang="en-US"/>
           </a:p>
@@ -6819,7 +6819,7 @@
           <a:p>
             <a:fld id="{C1BA161F-ECA7-4B76-B31E-7070F068EFEF}" type="datetimeFigureOut">
               <a:rPr kumimoji="1" lang="ja-JP" altLang="en-US" smtClean="0"/>
-              <a:t>2019/10/9</a:t>
+              <a:t>2019/12/5</a:t>
             </a:fld>
             <a:endParaRPr kumimoji="1" lang="ja-JP" altLang="en-US"/>
           </a:p>
@@ -7021,7 +7021,7 @@
           <a:p>
             <a:fld id="{C1BA161F-ECA7-4B76-B31E-7070F068EFEF}" type="datetimeFigureOut">
               <a:rPr kumimoji="1" lang="ja-JP" altLang="en-US" smtClean="0"/>
-              <a:t>2019/10/9</a:t>
+              <a:t>2019/12/5</a:t>
             </a:fld>
             <a:endParaRPr kumimoji="1" lang="ja-JP" altLang="en-US"/>
           </a:p>
@@ -7233,7 +7233,7 @@
           <a:p>
             <a:fld id="{C1BA161F-ECA7-4B76-B31E-7070F068EFEF}" type="datetimeFigureOut">
               <a:rPr kumimoji="1" lang="ja-JP" altLang="en-US" smtClean="0"/>
-              <a:t>2019/10/9</a:t>
+              <a:t>2019/12/5</a:t>
             </a:fld>
             <a:endParaRPr kumimoji="1" lang="ja-JP" altLang="en-US"/>
           </a:p>
@@ -7435,7 +7435,7 @@
           <a:p>
             <a:fld id="{C1BA161F-ECA7-4B76-B31E-7070F068EFEF}" type="datetimeFigureOut">
               <a:rPr kumimoji="1" lang="ja-JP" altLang="en-US" smtClean="0"/>
-              <a:t>2019/10/9</a:t>
+              <a:t>2019/12/5</a:t>
             </a:fld>
             <a:endParaRPr kumimoji="1" lang="ja-JP" altLang="en-US"/>
           </a:p>
@@ -7685,7 +7685,7 @@
           <a:p>
             <a:fld id="{C1BA161F-ECA7-4B76-B31E-7070F068EFEF}" type="datetimeFigureOut">
               <a:rPr kumimoji="1" lang="ja-JP" altLang="en-US" smtClean="0"/>
-              <a:t>2019/10/9</a:t>
+              <a:t>2019/12/5</a:t>
             </a:fld>
             <a:endParaRPr kumimoji="1" lang="ja-JP" altLang="en-US"/>
           </a:p>
@@ -7981,7 +7981,7 @@
           <a:p>
             <a:fld id="{C1BA161F-ECA7-4B76-B31E-7070F068EFEF}" type="datetimeFigureOut">
               <a:rPr kumimoji="1" lang="ja-JP" altLang="en-US" smtClean="0"/>
-              <a:t>2019/10/9</a:t>
+              <a:t>2019/12/5</a:t>
             </a:fld>
             <a:endParaRPr kumimoji="1" lang="ja-JP" altLang="en-US"/>
           </a:p>
@@ -8426,7 +8426,7 @@
           <a:p>
             <a:fld id="{C1BA161F-ECA7-4B76-B31E-7070F068EFEF}" type="datetimeFigureOut">
               <a:rPr kumimoji="1" lang="ja-JP" altLang="en-US" smtClean="0"/>
-              <a:t>2019/10/9</a:t>
+              <a:t>2019/12/5</a:t>
             </a:fld>
             <a:endParaRPr kumimoji="1" lang="ja-JP" altLang="en-US"/>
           </a:p>
@@ -8544,7 +8544,7 @@
           <a:p>
             <a:fld id="{C1BA161F-ECA7-4B76-B31E-7070F068EFEF}" type="datetimeFigureOut">
               <a:rPr kumimoji="1" lang="ja-JP" altLang="en-US" smtClean="0"/>
-              <a:t>2019/10/9</a:t>
+              <a:t>2019/12/5</a:t>
             </a:fld>
             <a:endParaRPr kumimoji="1" lang="ja-JP" altLang="en-US"/>
           </a:p>
@@ -8639,7 +8639,7 @@
           <a:p>
             <a:fld id="{C1BA161F-ECA7-4B76-B31E-7070F068EFEF}" type="datetimeFigureOut">
               <a:rPr kumimoji="1" lang="ja-JP" altLang="en-US" smtClean="0"/>
-              <a:t>2019/10/9</a:t>
+              <a:t>2019/12/5</a:t>
             </a:fld>
             <a:endParaRPr kumimoji="1" lang="ja-JP" altLang="en-US"/>
           </a:p>
@@ -8920,7 +8920,7 @@
           <a:p>
             <a:fld id="{C1BA161F-ECA7-4B76-B31E-7070F068EFEF}" type="datetimeFigureOut">
               <a:rPr kumimoji="1" lang="ja-JP" altLang="en-US" smtClean="0"/>
-              <a:t>2019/10/9</a:t>
+              <a:t>2019/12/5</a:t>
             </a:fld>
             <a:endParaRPr kumimoji="1" lang="ja-JP" altLang="en-US"/>
           </a:p>
@@ -9200,7 +9200,7 @@
           <a:p>
             <a:fld id="{C1BA161F-ECA7-4B76-B31E-7070F068EFEF}" type="datetimeFigureOut">
               <a:rPr kumimoji="1" lang="ja-JP" altLang="en-US" smtClean="0"/>
-              <a:t>2019/10/9</a:t>
+              <a:t>2019/12/5</a:t>
             </a:fld>
             <a:endParaRPr kumimoji="1" lang="ja-JP" altLang="en-US"/>
           </a:p>
@@ -9316,7 +9316,7 @@
           <a:noFill/>
           <a:extLst>
             <a:ext uri="{909E8E84-426E-40dd-AFC4-6F175D3DCCD1}">
-              <a14:hiddenFill xmlns="" xmlns:a14="http://schemas.microsoft.com/office/drawing/2010/main">
+              <a14:hiddenFill xmlns:a14="http://schemas.microsoft.com/office/drawing/2010/main" xmlns="">
                 <a:solidFill>
                   <a:srgbClr val="FFFFFF"/>
                 </a:solidFill>
@@ -9390,7 +9390,7 @@
               </a:ln>
               <a:extLst>
                 <a:ext uri="{91240B29-F687-4f45-9708-019B960494DF}">
-                  <a14:hiddenLine xmlns="" xmlns:a14="http://schemas.microsoft.com/office/drawing/2010/main" w="9525">
+                  <a14:hiddenLine xmlns:a14="http://schemas.microsoft.com/office/drawing/2010/main" xmlns="" w="9525">
                     <a:solidFill>
                       <a:srgbClr val="000000"/>
                     </a:solidFill>
@@ -9480,7 +9480,7 @@
               </a:ln>
               <a:extLst>
                 <a:ext uri="{91240B29-F687-4f45-9708-019B960494DF}">
-                  <a14:hiddenLine xmlns="" xmlns:a14="http://schemas.microsoft.com/office/drawing/2010/main" w="9525">
+                  <a14:hiddenLine xmlns:a14="http://schemas.microsoft.com/office/drawing/2010/main" xmlns="" w="9525">
                     <a:solidFill>
                       <a:srgbClr val="000000"/>
                     </a:solidFill>
@@ -9570,7 +9570,7 @@
               </a:ln>
               <a:extLst>
                 <a:ext uri="{91240B29-F687-4f45-9708-019B960494DF}">
-                  <a14:hiddenLine xmlns="" xmlns:a14="http://schemas.microsoft.com/office/drawing/2010/main" w="9525">
+                  <a14:hiddenLine xmlns:a14="http://schemas.microsoft.com/office/drawing/2010/main" xmlns="" w="9525">
                     <a:solidFill>
                       <a:srgbClr val="000000"/>
                     </a:solidFill>
@@ -9632,7 +9632,7 @@
               </a:ln>
               <a:extLst>
                 <a:ext uri="{91240B29-F687-4f45-9708-019B960494DF}">
-                  <a14:hiddenLine xmlns="" xmlns:a14="http://schemas.microsoft.com/office/drawing/2010/main" w="9525">
+                  <a14:hiddenLine xmlns:a14="http://schemas.microsoft.com/office/drawing/2010/main" xmlns="" w="9525">
                     <a:solidFill>
                       <a:srgbClr val="000000"/>
                     </a:solidFill>
@@ -9722,7 +9722,7 @@
               </a:ln>
               <a:extLst>
                 <a:ext uri="{91240B29-F687-4f45-9708-019B960494DF}">
-                  <a14:hiddenLine xmlns="" xmlns:a14="http://schemas.microsoft.com/office/drawing/2010/main" w="9525">
+                  <a14:hiddenLine xmlns:a14="http://schemas.microsoft.com/office/drawing/2010/main" xmlns="" w="9525">
                     <a:solidFill>
                       <a:srgbClr val="000000"/>
                     </a:solidFill>
@@ -9784,7 +9784,7 @@
               </a:ln>
               <a:extLst>
                 <a:ext uri="{91240B29-F687-4f45-9708-019B960494DF}">
-                  <a14:hiddenLine xmlns="" xmlns:a14="http://schemas.microsoft.com/office/drawing/2010/main" w="9525">
+                  <a14:hiddenLine xmlns:a14="http://schemas.microsoft.com/office/drawing/2010/main" xmlns="" w="9525">
                     <a:solidFill>
                       <a:srgbClr val="000000"/>
                     </a:solidFill>
@@ -9846,7 +9846,7 @@
               </a:ln>
               <a:extLst>
                 <a:ext uri="{91240B29-F687-4f45-9708-019B960494DF}">
-                  <a14:hiddenLine xmlns="" xmlns:a14="http://schemas.microsoft.com/office/drawing/2010/main" w="9525">
+                  <a14:hiddenLine xmlns:a14="http://schemas.microsoft.com/office/drawing/2010/main" xmlns="" w="9525">
                     <a:solidFill>
                       <a:srgbClr val="000000"/>
                     </a:solidFill>
@@ -9936,7 +9936,7 @@
               </a:ln>
               <a:extLst>
                 <a:ext uri="{91240B29-F687-4f45-9708-019B960494DF}">
-                  <a14:hiddenLine xmlns="" xmlns:a14="http://schemas.microsoft.com/office/drawing/2010/main" w="9525">
+                  <a14:hiddenLine xmlns:a14="http://schemas.microsoft.com/office/drawing/2010/main" xmlns="" w="9525">
                     <a:solidFill>
                       <a:srgbClr val="000000"/>
                     </a:solidFill>
@@ -10026,7 +10026,7 @@
               </a:ln>
               <a:extLst>
                 <a:ext uri="{91240B29-F687-4f45-9708-019B960494DF}">
-                  <a14:hiddenLine xmlns="" xmlns:a14="http://schemas.microsoft.com/office/drawing/2010/main" w="9525">
+                  <a14:hiddenLine xmlns:a14="http://schemas.microsoft.com/office/drawing/2010/main" xmlns="" w="9525">
                     <a:solidFill>
                       <a:srgbClr val="000000"/>
                     </a:solidFill>
@@ -10088,7 +10088,7 @@
               </a:ln>
               <a:extLst>
                 <a:ext uri="{91240B29-F687-4f45-9708-019B960494DF}">
-                  <a14:hiddenLine xmlns="" xmlns:a14="http://schemas.microsoft.com/office/drawing/2010/main" w="9525">
+                  <a14:hiddenLine xmlns:a14="http://schemas.microsoft.com/office/drawing/2010/main" xmlns="" w="9525">
                     <a:solidFill>
                       <a:srgbClr val="000000"/>
                     </a:solidFill>
@@ -10198,7 +10198,7 @@
               </a:ln>
               <a:extLst>
                 <a:ext uri="{91240B29-F687-4f45-9708-019B960494DF}">
-                  <a14:hiddenLine xmlns="" xmlns:a14="http://schemas.microsoft.com/office/drawing/2010/main" w="9525">
+                  <a14:hiddenLine xmlns:a14="http://schemas.microsoft.com/office/drawing/2010/main" xmlns="" w="9525">
                     <a:solidFill>
                       <a:srgbClr val="000000"/>
                     </a:solidFill>
@@ -10282,7 +10282,7 @@
               </a:ln>
               <a:extLst>
                 <a:ext uri="{91240B29-F687-4f45-9708-019B960494DF}">
-                  <a14:hiddenLine xmlns="" xmlns:a14="http://schemas.microsoft.com/office/drawing/2010/main" w="9525">
+                  <a14:hiddenLine xmlns:a14="http://schemas.microsoft.com/office/drawing/2010/main" xmlns="" w="9525">
                     <a:solidFill>
                       <a:srgbClr val="000000"/>
                     </a:solidFill>
@@ -10344,7 +10344,7 @@
               </a:ln>
               <a:extLst>
                 <a:ext uri="{91240B29-F687-4f45-9708-019B960494DF}">
-                  <a14:hiddenLine xmlns="" xmlns:a14="http://schemas.microsoft.com/office/drawing/2010/main" w="9525">
+                  <a14:hiddenLine xmlns:a14="http://schemas.microsoft.com/office/drawing/2010/main" xmlns="" w="9525">
                     <a:solidFill>
                       <a:srgbClr val="000000"/>
                     </a:solidFill>
@@ -10406,7 +10406,7 @@
               </a:ln>
               <a:extLst>
                 <a:ext uri="{91240B29-F687-4f45-9708-019B960494DF}">
-                  <a14:hiddenLine xmlns="" xmlns:a14="http://schemas.microsoft.com/office/drawing/2010/main" w="9525">
+                  <a14:hiddenLine xmlns:a14="http://schemas.microsoft.com/office/drawing/2010/main" xmlns="" w="9525">
                     <a:solidFill>
                       <a:srgbClr val="000000"/>
                     </a:solidFill>
@@ -10496,7 +10496,7 @@
               </a:ln>
               <a:extLst>
                 <a:ext uri="{91240B29-F687-4f45-9708-019B960494DF}">
-                  <a14:hiddenLine xmlns="" xmlns:a14="http://schemas.microsoft.com/office/drawing/2010/main" w="9525">
+                  <a14:hiddenLine xmlns:a14="http://schemas.microsoft.com/office/drawing/2010/main" xmlns="" w="9525">
                     <a:solidFill>
                       <a:srgbClr val="000000"/>
                     </a:solidFill>
@@ -10530,7 +10530,7 @@
               </a:ln>
               <a:extLst>
                 <a:ext uri="{91240B29-F687-4f45-9708-019B960494DF}">
-                  <a14:hiddenLine xmlns="" xmlns:a14="http://schemas.microsoft.com/office/drawing/2010/main" w="9525">
+                  <a14:hiddenLine xmlns:a14="http://schemas.microsoft.com/office/drawing/2010/main" xmlns="" w="9525">
                     <a:solidFill>
                       <a:srgbClr val="000000"/>
                     </a:solidFill>
@@ -10595,7 +10595,7 @@
               </a:ln>
               <a:extLst>
                 <a:ext uri="{91240B29-F687-4f45-9708-019B960494DF}">
-                  <a14:hiddenLine xmlns="" xmlns:a14="http://schemas.microsoft.com/office/drawing/2010/main" w="9525">
+                  <a14:hiddenLine xmlns:a14="http://schemas.microsoft.com/office/drawing/2010/main" xmlns="" w="9525">
                     <a:solidFill>
                       <a:srgbClr val="000000"/>
                     </a:solidFill>
@@ -10685,7 +10685,7 @@
               </a:ln>
               <a:extLst>
                 <a:ext uri="{91240B29-F687-4f45-9708-019B960494DF}">
-                  <a14:hiddenLine xmlns="" xmlns:a14="http://schemas.microsoft.com/office/drawing/2010/main" w="9525">
+                  <a14:hiddenLine xmlns:a14="http://schemas.microsoft.com/office/drawing/2010/main" xmlns="" w="9525">
                     <a:solidFill>
                       <a:srgbClr val="000000"/>
                     </a:solidFill>
@@ -10747,7 +10747,7 @@
               </a:ln>
               <a:extLst>
                 <a:ext uri="{91240B29-F687-4f45-9708-019B960494DF}">
-                  <a14:hiddenLine xmlns="" xmlns:a14="http://schemas.microsoft.com/office/drawing/2010/main" w="9525">
+                  <a14:hiddenLine xmlns:a14="http://schemas.microsoft.com/office/drawing/2010/main" xmlns="" w="9525">
                     <a:solidFill>
                       <a:srgbClr val="000000"/>
                     </a:solidFill>
@@ -10837,7 +10837,7 @@
               </a:ln>
               <a:extLst>
                 <a:ext uri="{91240B29-F687-4f45-9708-019B960494DF}">
-                  <a14:hiddenLine xmlns="" xmlns:a14="http://schemas.microsoft.com/office/drawing/2010/main" w="9525">
+                  <a14:hiddenLine xmlns:a14="http://schemas.microsoft.com/office/drawing/2010/main" xmlns="" w="9525">
                     <a:solidFill>
                       <a:srgbClr val="000000"/>
                     </a:solidFill>
@@ -10902,7 +10902,7 @@
               </a:ln>
               <a:extLst>
                 <a:ext uri="{91240B29-F687-4f45-9708-019B960494DF}">
-                  <a14:hiddenLine xmlns="" xmlns:a14="http://schemas.microsoft.com/office/drawing/2010/main" w="9525">
+                  <a14:hiddenLine xmlns:a14="http://schemas.microsoft.com/office/drawing/2010/main" xmlns="" w="9525">
                     <a:solidFill>
                       <a:srgbClr val="000000"/>
                     </a:solidFill>
@@ -10964,7 +10964,7 @@
               </a:ln>
               <a:extLst>
                 <a:ext uri="{91240B29-F687-4f45-9708-019B960494DF}">
-                  <a14:hiddenLine xmlns="" xmlns:a14="http://schemas.microsoft.com/office/drawing/2010/main" w="9525">
+                  <a14:hiddenLine xmlns:a14="http://schemas.microsoft.com/office/drawing/2010/main" xmlns="" w="9525">
                     <a:solidFill>
                       <a:srgbClr val="000000"/>
                     </a:solidFill>
@@ -11054,7 +11054,7 @@
               </a:ln>
               <a:extLst>
                 <a:ext uri="{91240B29-F687-4f45-9708-019B960494DF}">
-                  <a14:hiddenLine xmlns="" xmlns:a14="http://schemas.microsoft.com/office/drawing/2010/main" w="9525">
+                  <a14:hiddenLine xmlns:a14="http://schemas.microsoft.com/office/drawing/2010/main" xmlns="" w="9525">
                     <a:solidFill>
                       <a:srgbClr val="000000"/>
                     </a:solidFill>
@@ -11144,7 +11144,7 @@
               </a:ln>
               <a:extLst>
                 <a:ext uri="{91240B29-F687-4f45-9708-019B960494DF}">
-                  <a14:hiddenLine xmlns="" xmlns:a14="http://schemas.microsoft.com/office/drawing/2010/main" w="9525">
+                  <a14:hiddenLine xmlns:a14="http://schemas.microsoft.com/office/drawing/2010/main" xmlns="" w="9525">
                     <a:solidFill>
                       <a:srgbClr val="000000"/>
                     </a:solidFill>
@@ -11209,7 +11209,7 @@
               </a:ln>
               <a:extLst>
                 <a:ext uri="{91240B29-F687-4f45-9708-019B960494DF}">
-                  <a14:hiddenLine xmlns="" xmlns:a14="http://schemas.microsoft.com/office/drawing/2010/main" w="9525">
+                  <a14:hiddenLine xmlns:a14="http://schemas.microsoft.com/office/drawing/2010/main" xmlns="" w="9525">
                     <a:solidFill>
                       <a:srgbClr val="000000"/>
                     </a:solidFill>
@@ -11329,7 +11329,7 @@
               </a:ln>
               <a:extLst>
                 <a:ext uri="{91240B29-F687-4f45-9708-019B960494DF}">
-                  <a14:hiddenLine xmlns="" xmlns:a14="http://schemas.microsoft.com/office/drawing/2010/main" w="9525">
+                  <a14:hiddenLine xmlns:a14="http://schemas.microsoft.com/office/drawing/2010/main" xmlns="" w="9525">
                     <a:solidFill>
                       <a:srgbClr val="000000"/>
                     </a:solidFill>
@@ -11427,7 +11427,7 @@
               </a:ln>
               <a:extLst>
                 <a:ext uri="{91240B29-F687-4f45-9708-019B960494DF}">
-                  <a14:hiddenLine xmlns="" xmlns:a14="http://schemas.microsoft.com/office/drawing/2010/main" w="9525">
+                  <a14:hiddenLine xmlns:a14="http://schemas.microsoft.com/office/drawing/2010/main" xmlns="" w="9525">
                     <a:solidFill>
                       <a:srgbClr val="000000"/>
                     </a:solidFill>
@@ -11542,7 +11542,7 @@
               </a:ln>
               <a:extLst>
                 <a:ext uri="{91240B29-F687-4f45-9708-019B960494DF}">
-                  <a14:hiddenLine xmlns="" xmlns:a14="http://schemas.microsoft.com/office/drawing/2010/main" w="9525">
+                  <a14:hiddenLine xmlns:a14="http://schemas.microsoft.com/office/drawing/2010/main" xmlns="" w="9525">
                     <a:solidFill>
                       <a:srgbClr val="000000"/>
                     </a:solidFill>
@@ -11632,7 +11632,7 @@
               </a:ln>
               <a:extLst>
                 <a:ext uri="{91240B29-F687-4f45-9708-019B960494DF}">
-                  <a14:hiddenLine xmlns="" xmlns:a14="http://schemas.microsoft.com/office/drawing/2010/main" w="9525">
+                  <a14:hiddenLine xmlns:a14="http://schemas.microsoft.com/office/drawing/2010/main" xmlns="" w="9525">
                     <a:solidFill>
                       <a:srgbClr val="000000"/>
                     </a:solidFill>
@@ -11697,7 +11697,7 @@
               </a:ln>
               <a:extLst>
                 <a:ext uri="{91240B29-F687-4f45-9708-019B960494DF}">
-                  <a14:hiddenLine xmlns="" xmlns:a14="http://schemas.microsoft.com/office/drawing/2010/main" w="9525">
+                  <a14:hiddenLine xmlns:a14="http://schemas.microsoft.com/office/drawing/2010/main" xmlns="" w="9525">
                     <a:solidFill>
                       <a:srgbClr val="000000"/>
                     </a:solidFill>
@@ -11787,7 +11787,7 @@
               </a:ln>
               <a:extLst>
                 <a:ext uri="{91240B29-F687-4f45-9708-019B960494DF}">
-                  <a14:hiddenLine xmlns="" xmlns:a14="http://schemas.microsoft.com/office/drawing/2010/main" w="9525">
+                  <a14:hiddenLine xmlns:a14="http://schemas.microsoft.com/office/drawing/2010/main" xmlns="" w="9525">
                     <a:solidFill>
                       <a:srgbClr val="000000"/>
                     </a:solidFill>
@@ -11855,7 +11855,7 @@
               </a:ln>
               <a:extLst>
                 <a:ext uri="{91240B29-F687-4f45-9708-019B960494DF}">
-                  <a14:hiddenLine xmlns="" xmlns:a14="http://schemas.microsoft.com/office/drawing/2010/main" w="9525">
+                  <a14:hiddenLine xmlns:a14="http://schemas.microsoft.com/office/drawing/2010/main" xmlns="" w="9525">
                     <a:solidFill>
                       <a:srgbClr val="000000"/>
                     </a:solidFill>
@@ -11945,7 +11945,7 @@
               </a:ln>
               <a:extLst>
                 <a:ext uri="{91240B29-F687-4f45-9708-019B960494DF}">
-                  <a14:hiddenLine xmlns="" xmlns:a14="http://schemas.microsoft.com/office/drawing/2010/main" w="9525">
+                  <a14:hiddenLine xmlns:a14="http://schemas.microsoft.com/office/drawing/2010/main" xmlns="" w="9525">
                     <a:solidFill>
                       <a:srgbClr val="000000"/>
                     </a:solidFill>
@@ -12013,7 +12013,7 @@
               </a:ln>
               <a:extLst>
                 <a:ext uri="{91240B29-F687-4f45-9708-019B960494DF}">
-                  <a14:hiddenLine xmlns="" xmlns:a14="http://schemas.microsoft.com/office/drawing/2010/main" w="9525">
+                  <a14:hiddenLine xmlns:a14="http://schemas.microsoft.com/office/drawing/2010/main" xmlns="" w="9525">
                     <a:solidFill>
                       <a:srgbClr val="000000"/>
                     </a:solidFill>
@@ -12103,7 +12103,7 @@
               </a:ln>
               <a:extLst>
                 <a:ext uri="{91240B29-F687-4f45-9708-019B960494DF}">
-                  <a14:hiddenLine xmlns="" xmlns:a14="http://schemas.microsoft.com/office/drawing/2010/main" w="9525">
+                  <a14:hiddenLine xmlns:a14="http://schemas.microsoft.com/office/drawing/2010/main" xmlns="" w="9525">
                     <a:solidFill>
                       <a:srgbClr val="000000"/>
                     </a:solidFill>
@@ -12137,7 +12137,7 @@
               </a:ln>
               <a:extLst>
                 <a:ext uri="{91240B29-F687-4f45-9708-019B960494DF}">
-                  <a14:hiddenLine xmlns="" xmlns:a14="http://schemas.microsoft.com/office/drawing/2010/main" w="9525">
+                  <a14:hiddenLine xmlns:a14="http://schemas.microsoft.com/office/drawing/2010/main" xmlns="" w="9525">
                     <a:solidFill>
                       <a:srgbClr val="000000"/>
                     </a:solidFill>
@@ -12309,7 +12309,7 @@
           <a:p>
             <a:fld id="{C1BA161F-ECA7-4B76-B31E-7070F068EFEF}" type="datetimeFigureOut">
               <a:rPr kumimoji="1" lang="ja-JP" altLang="en-US" smtClean="0"/>
-              <a:t>2019/10/9</a:t>
+              <a:t>2019/12/5</a:t>
             </a:fld>
             <a:endParaRPr kumimoji="1" lang="ja-JP" altLang="en-US"/>
           </a:p>
@@ -13244,38 +13244,22 @@
                   <a:srgbClr val="FF0000"/>
                 </a:solidFill>
               </a:rPr>
-              <a:t>ある機械を</a:t>
-            </a:r>
+              <a:t>ある機械を起動させ、オブジェクトを</a:t>
+            </a:r>
+            <a:endParaRPr lang="en-US" altLang="ja-JP" sz="3200" u="sng" dirty="0" smtClean="0">
+              <a:solidFill>
+                <a:srgbClr val="FF0000"/>
+              </a:solidFill>
+            </a:endParaRPr>
+          </a:p>
+          <a:p>
             <a:r>
               <a:rPr lang="ja-JP" altLang="en-US" sz="3200" u="sng" dirty="0" smtClean="0">
                 <a:solidFill>
                   <a:srgbClr val="FF0000"/>
                 </a:solidFill>
               </a:rPr>
-              <a:t>起動させ、オブジェクトを</a:t>
-            </a:r>
-            <a:endParaRPr lang="en-US" altLang="ja-JP" sz="3200" u="sng" dirty="0" smtClean="0">
-              <a:solidFill>
-                <a:srgbClr val="FF0000"/>
-              </a:solidFill>
-            </a:endParaRPr>
-          </a:p>
-          <a:p>
-            <a:r>
-              <a:rPr lang="ja-JP" altLang="en-US" sz="3200" u="sng" dirty="0" smtClean="0">
-                <a:solidFill>
-                  <a:srgbClr val="FF0000"/>
-                </a:solidFill>
-              </a:rPr>
-              <a:t>鎮静化、又は</a:t>
-            </a:r>
-            <a:r>
-              <a:rPr lang="ja-JP" altLang="en-US" sz="3200" u="sng" dirty="0" smtClean="0">
-                <a:solidFill>
-                  <a:srgbClr val="FF0000"/>
-                </a:solidFill>
-              </a:rPr>
-              <a:t>無力化するために発電機を起動します。</a:t>
+              <a:t>鎮静化、又は無力化するために発電機を起動します。</a:t>
             </a:r>
             <a:endParaRPr kumimoji="1" lang="en-US" altLang="ja-JP" sz="3200" u="sng" dirty="0" smtClean="0">
               <a:solidFill>
@@ -13321,15 +13305,7 @@
           <a:p>
             <a:r>
               <a:rPr lang="ja-JP" altLang="en-US" sz="3200" dirty="0" smtClean="0"/>
-              <a:t>主人公は</a:t>
-            </a:r>
-            <a:r>
-              <a:rPr lang="ja-JP" altLang="en-US" sz="3200" dirty="0" smtClean="0"/>
-              <a:t>無事機械が</a:t>
-            </a:r>
-            <a:r>
-              <a:rPr lang="ja-JP" altLang="en-US" sz="3200" dirty="0" smtClean="0"/>
-              <a:t>発動するまで生き残れるか</a:t>
+              <a:t>主人公は無事機械が発動するまで生き残れるか</a:t>
             </a:r>
             <a:r>
               <a:rPr lang="en-US" altLang="ja-JP" sz="3200" dirty="0" smtClean="0"/>
@@ -13880,7 +13856,7 @@
         <p:spPr>
           <a:xfrm>
             <a:off x="740979" y="1340070"/>
-            <a:ext cx="7951076" cy="3539430"/>
+            <a:ext cx="8355520" cy="3539430"/>
           </a:xfrm>
           <a:prstGeom prst="rect">
             <a:avLst/>
@@ -13907,7 +13883,23 @@
                   <a:srgbClr val="FF0000"/>
                 </a:solidFill>
               </a:rPr>
-              <a:t>難易度（制限時間）</a:t>
+              <a:t>難易度（制限時間</a:t>
+            </a:r>
+            <a:r>
+              <a:rPr lang="ja-JP" altLang="en-US" sz="3200" dirty="0" smtClean="0">
+                <a:solidFill>
+                  <a:srgbClr val="FF0000"/>
+                </a:solidFill>
+              </a:rPr>
+              <a:t>）</a:t>
+            </a:r>
+            <a:r>
+              <a:rPr lang="en-US" altLang="ja-JP" sz="3200" dirty="0" smtClean="0">
+                <a:solidFill>
+                  <a:srgbClr val="FF0000"/>
+                </a:solidFill>
+              </a:rPr>
+              <a:t>×</a:t>
             </a:r>
             <a:endParaRPr lang="en-US" altLang="ja-JP" sz="3200" dirty="0" smtClean="0">
               <a:solidFill>
@@ -13917,7 +13909,7 @@
           </a:p>
           <a:p>
             <a:r>
-              <a:rPr lang="ja-JP" altLang="en-US" sz="3200" dirty="0">
+              <a:rPr lang="ja-JP" altLang="en-US" sz="3200" dirty="0" smtClean="0">
                 <a:solidFill>
                   <a:srgbClr val="FF0000"/>
                 </a:solidFill>
@@ -13930,7 +13922,23 @@
                   <a:srgbClr val="FF0000"/>
                 </a:solidFill>
               </a:rPr>
-              <a:t>属性弱点→武器によって長所短所を作る</a:t>
+              <a:t>属性弱点→武器によって長所短所を</a:t>
+            </a:r>
+            <a:r>
+              <a:rPr lang="ja-JP" altLang="en-US" sz="3200" dirty="0" smtClean="0">
+                <a:solidFill>
+                  <a:srgbClr val="FF0000"/>
+                </a:solidFill>
+              </a:rPr>
+              <a:t>作る</a:t>
+            </a:r>
+            <a:r>
+              <a:rPr lang="en-US" altLang="ja-JP" sz="3200" dirty="0" smtClean="0">
+                <a:solidFill>
+                  <a:srgbClr val="FF0000"/>
+                </a:solidFill>
+              </a:rPr>
+              <a:t>×</a:t>
             </a:r>
             <a:endParaRPr lang="en-US" altLang="ja-JP" sz="3200" dirty="0" smtClean="0">
               <a:solidFill>
